--- a/Resources/MovieNet.pptx
+++ b/Resources/MovieNet.pptx
@@ -6543,8 +6543,45 @@
               <a:t>Length</a:t>
             </a:r>
           </a:p>
-        </p:txBody>
-      </p:sp>
+          <a:p>
+            <a:pPr lvl="2"/>
+            <a:r>
+              <a:rPr lang="en-US" dirty="0"/>
+              <a:t>…</a:t>
+            </a:r>
+          </a:p>
+        </p:txBody>
+      </p:sp>
+      <p:pic>
+        <p:nvPicPr>
+          <p:cNvPr id="5" name="Picture 4">
+            <a:extLst>
+              <a:ext uri="{FF2B5EF4-FFF2-40B4-BE49-F238E27FC236}">
+                <a16:creationId xmlns:a16="http://schemas.microsoft.com/office/drawing/2014/main" id="{3C3DE4EB-CCC3-464C-9F93-57E2DA758B59}"/>
+              </a:ext>
+            </a:extLst>
+          </p:cNvPr>
+          <p:cNvPicPr>
+            <a:picLocks noChangeAspect="1"/>
+          </p:cNvPicPr>
+          <p:nvPr/>
+        </p:nvPicPr>
+        <p:blipFill>
+          <a:blip r:embed="rId2"/>
+          <a:stretch>
+            <a:fillRect/>
+          </a:stretch>
+        </p:blipFill>
+        <p:spPr>
+          <a:xfrm>
+            <a:off x="3857969" y="2554344"/>
+            <a:ext cx="7972246" cy="2398813"/>
+          </a:xfrm>
+          <a:prstGeom prst="rect">
+            <a:avLst/>
+          </a:prstGeom>
+        </p:spPr>
+      </p:pic>
     </p:spTree>
     <p:extLst>
       <p:ext uri="{BB962C8B-B14F-4D97-AF65-F5344CB8AC3E}">

--- a/Resources/MovieNet.pptx
+++ b/Resources/MovieNet.pptx
@@ -8,6 +8,8 @@
     <p:sldId id="256" r:id="rId2"/>
     <p:sldId id="257" r:id="rId3"/>
     <p:sldId id="258" r:id="rId4"/>
+    <p:sldId id="260" r:id="rId5"/>
+    <p:sldId id="259" r:id="rId6"/>
   </p:sldIdLst>
   <p:sldSz cx="12192000" cy="6858000"/>
   <p:notesSz cx="6858000" cy="9144000"/>
@@ -7005,6 +7007,448 @@
 </p:sld>
 </file>
 
+<file path=ppt/slides/slide4.xml><?xml version="1.0" encoding="utf-8"?>
+<p:sld xmlns:a="http://schemas.openxmlformats.org/drawingml/2006/main" xmlns:r="http://schemas.openxmlformats.org/officeDocument/2006/relationships" xmlns:p="http://schemas.openxmlformats.org/presentationml/2006/main">
+  <p:cSld>
+    <p:spTree>
+      <p:nvGrpSpPr>
+        <p:cNvPr id="1" name=""/>
+        <p:cNvGrpSpPr/>
+        <p:nvPr/>
+      </p:nvGrpSpPr>
+      <p:grpSpPr>
+        <a:xfrm>
+          <a:off x="0" y="0"/>
+          <a:ext cx="0" cy="0"/>
+          <a:chOff x="0" y="0"/>
+          <a:chExt cx="0" cy="0"/>
+        </a:xfrm>
+      </p:grpSpPr>
+      <p:sp>
+        <p:nvSpPr>
+          <p:cNvPr id="2" name="Title 1">
+            <a:extLst>
+              <a:ext uri="{FF2B5EF4-FFF2-40B4-BE49-F238E27FC236}">
+                <a16:creationId xmlns:a16="http://schemas.microsoft.com/office/drawing/2014/main" id="{E77A3C22-7F1B-4695-8AA3-5750D917A3FC}"/>
+              </a:ext>
+            </a:extLst>
+          </p:cNvPr>
+          <p:cNvSpPr>
+            <a:spLocks noGrp="1"/>
+          </p:cNvSpPr>
+          <p:nvPr>
+            <p:ph type="title"/>
+          </p:nvPr>
+        </p:nvSpPr>
+        <p:spPr/>
+        <p:txBody>
+          <a:bodyPr/>
+          <a:lstStyle/>
+          <a:p>
+            <a:r>
+              <a:rPr lang="en-US" dirty="0"/>
+              <a:t>Data Cleanup</a:t>
+            </a:r>
+          </a:p>
+        </p:txBody>
+      </p:sp>
+      <p:sp>
+        <p:nvSpPr>
+          <p:cNvPr id="3" name="Content Placeholder 2">
+            <a:extLst>
+              <a:ext uri="{FF2B5EF4-FFF2-40B4-BE49-F238E27FC236}">
+                <a16:creationId xmlns:a16="http://schemas.microsoft.com/office/drawing/2014/main" id="{C8223BFE-636B-4B1F-87CD-252B6E6F6067}"/>
+              </a:ext>
+            </a:extLst>
+          </p:cNvPr>
+          <p:cNvSpPr>
+            <a:spLocks noGrp="1"/>
+          </p:cNvSpPr>
+          <p:nvPr>
+            <p:ph idx="1"/>
+          </p:nvPr>
+        </p:nvSpPr>
+        <p:spPr/>
+        <p:txBody>
+          <a:bodyPr/>
+          <a:lstStyle/>
+          <a:p>
+            <a:r>
+              <a:rPr lang="en-US" dirty="0"/>
+              <a:t>Total number of Rows : 5043</a:t>
+            </a:r>
+          </a:p>
+          <a:p>
+            <a:r>
+              <a:rPr lang="en-US" dirty="0"/>
+              <a:t>Dropped rows where gross/budget is null</a:t>
+            </a:r>
+          </a:p>
+          <a:p>
+            <a:pPr lvl="1"/>
+            <a:r>
+              <a:rPr lang="en-US" dirty="0"/>
+              <a:t>Incorrect skew to the model</a:t>
+            </a:r>
+          </a:p>
+          <a:p>
+            <a:r>
+              <a:rPr lang="en-US" dirty="0"/>
+              <a:t>Aspect ratio</a:t>
+            </a:r>
+          </a:p>
+          <a:p>
+            <a:pPr lvl="1"/>
+            <a:r>
+              <a:rPr lang="en-US" dirty="0"/>
+              <a:t>Weak correlation</a:t>
+            </a:r>
+          </a:p>
+          <a:p>
+            <a:r>
+              <a:rPr lang="en-US" dirty="0"/>
+              <a:t>Content rating</a:t>
+            </a:r>
+          </a:p>
+          <a:p>
+            <a:pPr lvl="1"/>
+            <a:r>
+              <a:rPr lang="en-US" dirty="0"/>
+              <a:t>Legacy values are replaced with newer content rating</a:t>
+            </a:r>
+          </a:p>
+          <a:p>
+            <a:r>
+              <a:rPr lang="en-US" dirty="0"/>
+              <a:t>Replaced all other null / 0 values with column mean</a:t>
+            </a:r>
+          </a:p>
+          <a:p>
+            <a:r>
+              <a:rPr lang="en-US" dirty="0"/>
+              <a:t>Final number of Rows : 3806</a:t>
+            </a:r>
+          </a:p>
+        </p:txBody>
+      </p:sp>
+    </p:spTree>
+    <p:extLst>
+      <p:ext uri="{BB962C8B-B14F-4D97-AF65-F5344CB8AC3E}">
+        <p14:creationId xmlns:p14="http://schemas.microsoft.com/office/powerpoint/2010/main" val="1947366641"/>
+      </p:ext>
+    </p:extLst>
+  </p:cSld>
+  <p:clrMapOvr>
+    <a:masterClrMapping/>
+  </p:clrMapOvr>
+</p:sld>
+</file>
+
+<file path=ppt/slides/slide5.xml><?xml version="1.0" encoding="utf-8"?>
+<p:sld xmlns:a="http://schemas.openxmlformats.org/drawingml/2006/main" xmlns:r="http://schemas.openxmlformats.org/officeDocument/2006/relationships" xmlns:p="http://schemas.openxmlformats.org/presentationml/2006/main">
+  <p:cSld>
+    <p:spTree>
+      <p:nvGrpSpPr>
+        <p:cNvPr id="1" name=""/>
+        <p:cNvGrpSpPr/>
+        <p:nvPr/>
+      </p:nvGrpSpPr>
+      <p:grpSpPr>
+        <a:xfrm>
+          <a:off x="0" y="0"/>
+          <a:ext cx="0" cy="0"/>
+          <a:chOff x="0" y="0"/>
+          <a:chExt cx="0" cy="0"/>
+        </a:xfrm>
+      </p:grpSpPr>
+      <p:sp>
+        <p:nvSpPr>
+          <p:cNvPr id="2" name="Title 1">
+            <a:extLst>
+              <a:ext uri="{FF2B5EF4-FFF2-40B4-BE49-F238E27FC236}">
+                <a16:creationId xmlns:a16="http://schemas.microsoft.com/office/drawing/2014/main" id="{B9EEAE4F-A22A-48FB-8658-FA1AF48DF15D}"/>
+              </a:ext>
+            </a:extLst>
+          </p:cNvPr>
+          <p:cNvSpPr>
+            <a:spLocks noGrp="1"/>
+          </p:cNvSpPr>
+          <p:nvPr>
+            <p:ph type="title"/>
+          </p:nvPr>
+        </p:nvSpPr>
+        <p:spPr/>
+        <p:txBody>
+          <a:bodyPr/>
+          <a:lstStyle/>
+          <a:p>
+            <a:r>
+              <a:rPr lang="en-US" dirty="0"/>
+              <a:t>Machine Learning</a:t>
+            </a:r>
+          </a:p>
+        </p:txBody>
+      </p:sp>
+      <p:graphicFrame>
+        <p:nvGraphicFramePr>
+          <p:cNvPr id="4" name="Content Placeholder 3">
+            <a:extLst>
+              <a:ext uri="{FF2B5EF4-FFF2-40B4-BE49-F238E27FC236}">
+                <a16:creationId xmlns:a16="http://schemas.microsoft.com/office/drawing/2014/main" id="{C5C864BB-76FA-4C41-9FED-49074609D0BB}"/>
+              </a:ext>
+            </a:extLst>
+          </p:cNvPr>
+          <p:cNvGraphicFramePr>
+            <a:graphicFrameLocks noGrp="1"/>
+          </p:cNvGraphicFramePr>
+          <p:nvPr>
+            <p:ph idx="1"/>
+            <p:extLst>
+              <p:ext uri="{D42A27DB-BD31-4B8C-83A1-F6EECF244321}">
+                <p14:modId xmlns:p14="http://schemas.microsoft.com/office/powerpoint/2010/main" val="743312756"/>
+              </p:ext>
+            </p:extLst>
+          </p:nvPr>
+        </p:nvGraphicFramePr>
+        <p:xfrm>
+          <a:off x="924998" y="2127430"/>
+          <a:ext cx="10428800" cy="2357106"/>
+        </p:xfrm>
+        <a:graphic>
+          <a:graphicData uri="http://schemas.openxmlformats.org/drawingml/2006/table">
+            <a:tbl>
+              <a:tblPr firstRow="1" bandRow="1">
+                <a:tableStyleId>{5C22544A-7EE6-4342-B048-85BDC9FD1C3A}</a:tableStyleId>
+              </a:tblPr>
+              <a:tblGrid>
+                <a:gridCol w="2607200">
+                  <a:extLst>
+                    <a:ext uri="{9D8B030D-6E8A-4147-A177-3AD203B41FA5}">
+                      <a16:colId xmlns:a16="http://schemas.microsoft.com/office/drawing/2014/main" val="187268159"/>
+                    </a:ext>
+                  </a:extLst>
+                </a:gridCol>
+                <a:gridCol w="2607200">
+                  <a:extLst>
+                    <a:ext uri="{9D8B030D-6E8A-4147-A177-3AD203B41FA5}">
+                      <a16:colId xmlns:a16="http://schemas.microsoft.com/office/drawing/2014/main" val="1571906354"/>
+                    </a:ext>
+                  </a:extLst>
+                </a:gridCol>
+                <a:gridCol w="2607200">
+                  <a:extLst>
+                    <a:ext uri="{9D8B030D-6E8A-4147-A177-3AD203B41FA5}">
+                      <a16:colId xmlns:a16="http://schemas.microsoft.com/office/drawing/2014/main" val="4075381202"/>
+                    </a:ext>
+                  </a:extLst>
+                </a:gridCol>
+                <a:gridCol w="2607200">
+                  <a:extLst>
+                    <a:ext uri="{9D8B030D-6E8A-4147-A177-3AD203B41FA5}">
+                      <a16:colId xmlns:a16="http://schemas.microsoft.com/office/drawing/2014/main" val="3301634693"/>
+                    </a:ext>
+                  </a:extLst>
+                </a:gridCol>
+              </a:tblGrid>
+              <a:tr h="785702">
+                <a:tc>
+                  <a:txBody>
+                    <a:bodyPr/>
+                    <a:lstStyle/>
+                    <a:p>
+                      <a:r>
+                        <a:rPr lang="en-US" dirty="0"/>
+                        <a:t>Model</a:t>
+                      </a:r>
+                    </a:p>
+                  </a:txBody>
+                  <a:tcPr/>
+                </a:tc>
+                <a:tc>
+                  <a:txBody>
+                    <a:bodyPr/>
+                    <a:lstStyle/>
+                    <a:p>
+                      <a:r>
+                        <a:rPr lang="en-US" dirty="0"/>
+                        <a:t>Support Vector Machine</a:t>
+                      </a:r>
+                    </a:p>
+                  </a:txBody>
+                  <a:tcPr/>
+                </a:tc>
+                <a:tc>
+                  <a:txBody>
+                    <a:bodyPr/>
+                    <a:lstStyle/>
+                    <a:p>
+                      <a:r>
+                        <a:rPr lang="en-US" dirty="0"/>
+                        <a:t>K Nearest Neighbors</a:t>
+                      </a:r>
+                    </a:p>
+                  </a:txBody>
+                  <a:tcPr/>
+                </a:tc>
+                <a:tc>
+                  <a:txBody>
+                    <a:bodyPr/>
+                    <a:lstStyle/>
+                    <a:p>
+                      <a:r>
+                        <a:rPr lang="en-US" dirty="0"/>
+                        <a:t>Random Forest</a:t>
+                      </a:r>
+                    </a:p>
+                  </a:txBody>
+                  <a:tcPr/>
+                </a:tc>
+                <a:extLst>
+                  <a:ext uri="{0D108BD9-81ED-4DB2-BD59-A6C34878D82A}">
+                    <a16:rowId xmlns:a16="http://schemas.microsoft.com/office/drawing/2014/main" val="3430015399"/>
+                  </a:ext>
+                </a:extLst>
+              </a:tr>
+              <a:tr h="785702">
+                <a:tc>
+                  <a:txBody>
+                    <a:bodyPr/>
+                    <a:lstStyle/>
+                    <a:p>
+                      <a:r>
+                        <a:rPr lang="en-US" b="1" dirty="0"/>
+                        <a:t>Complex (769 columns)</a:t>
+                      </a:r>
+                    </a:p>
+                  </a:txBody>
+                  <a:tcPr/>
+                </a:tc>
+                <a:tc>
+                  <a:txBody>
+                    <a:bodyPr/>
+                    <a:lstStyle/>
+                    <a:p>
+                      <a:r>
+                        <a:rPr lang="en-US" dirty="0"/>
+                        <a:t>0.658</a:t>
+                      </a:r>
+                    </a:p>
+                  </a:txBody>
+                  <a:tcPr/>
+                </a:tc>
+                <a:tc>
+                  <a:txBody>
+                    <a:bodyPr/>
+                    <a:lstStyle/>
+                    <a:p>
+                      <a:r>
+                        <a:rPr lang="en-US" dirty="0"/>
+                        <a:t>0.642</a:t>
+                      </a:r>
+                    </a:p>
+                  </a:txBody>
+                  <a:tcPr/>
+                </a:tc>
+                <a:tc>
+                  <a:txBody>
+                    <a:bodyPr/>
+                    <a:lstStyle/>
+                    <a:p>
+                      <a:r>
+                        <a:rPr lang="en-US" dirty="0"/>
+                        <a:t>0.778</a:t>
+                      </a:r>
+                    </a:p>
+                  </a:txBody>
+                  <a:tcPr/>
+                </a:tc>
+                <a:extLst>
+                  <a:ext uri="{0D108BD9-81ED-4DB2-BD59-A6C34878D82A}">
+                    <a16:rowId xmlns:a16="http://schemas.microsoft.com/office/drawing/2014/main" val="857890720"/>
+                  </a:ext>
+                </a:extLst>
+              </a:tr>
+              <a:tr h="785702">
+                <a:tc>
+                  <a:txBody>
+                    <a:bodyPr/>
+                    <a:lstStyle/>
+                    <a:p>
+                      <a:r>
+                        <a:rPr lang="en-US" b="1" dirty="0"/>
+                        <a:t>Simple (</a:t>
+                      </a:r>
+                      <a:r>
+                        <a:rPr lang="en-US" b="1"/>
+                        <a:t>13 columns)</a:t>
+                      </a:r>
+                      <a:endParaRPr lang="en-US" b="1" dirty="0"/>
+                    </a:p>
+                  </a:txBody>
+                  <a:tcPr/>
+                </a:tc>
+                <a:tc>
+                  <a:txBody>
+                    <a:bodyPr/>
+                    <a:lstStyle/>
+                    <a:p>
+                      <a:r>
+                        <a:rPr lang="en-US" dirty="0"/>
+                        <a:t>0.659</a:t>
+                      </a:r>
+                    </a:p>
+                  </a:txBody>
+                  <a:tcPr/>
+                </a:tc>
+                <a:tc>
+                  <a:txBody>
+                    <a:bodyPr/>
+                    <a:lstStyle/>
+                    <a:p>
+                      <a:r>
+                        <a:rPr lang="en-US" dirty="0"/>
+                        <a:t>0.629</a:t>
+                      </a:r>
+                    </a:p>
+                  </a:txBody>
+                  <a:tcPr/>
+                </a:tc>
+                <a:tc>
+                  <a:txBody>
+                    <a:bodyPr/>
+                    <a:lstStyle/>
+                    <a:p>
+                      <a:r>
+                        <a:rPr lang="en-US" dirty="0"/>
+                        <a:t>0.718</a:t>
+                      </a:r>
+                    </a:p>
+                  </a:txBody>
+                  <a:tcPr/>
+                </a:tc>
+                <a:extLst>
+                  <a:ext uri="{0D108BD9-81ED-4DB2-BD59-A6C34878D82A}">
+                    <a16:rowId xmlns:a16="http://schemas.microsoft.com/office/drawing/2014/main" val="120361116"/>
+                  </a:ext>
+                </a:extLst>
+              </a:tr>
+            </a:tbl>
+          </a:graphicData>
+        </a:graphic>
+      </p:graphicFrame>
+    </p:spTree>
+    <p:extLst>
+      <p:ext uri="{BB962C8B-B14F-4D97-AF65-F5344CB8AC3E}">
+        <p14:creationId xmlns:p14="http://schemas.microsoft.com/office/powerpoint/2010/main" val="2867446005"/>
+      </p:ext>
+    </p:extLst>
+  </p:cSld>
+  <p:clrMapOvr>
+    <a:masterClrMapping/>
+  </p:clrMapOvr>
+</p:sld>
+</file>
+
 <file path=ppt/theme/theme1.xml><?xml version="1.0" encoding="utf-8"?>
 <a:theme xmlns:a="http://schemas.openxmlformats.org/drawingml/2006/main" name="Office Theme">
   <a:themeElements>
